--- a/partworkquizstyle.pptx
+++ b/partworkquizstyle.pptx
@@ -311,7 +311,7 @@
           <a:p>
             <a:fld id="{456A58FF-A8BC-4FB3-8711-CD70579C4C2B}" type="datetimeFigureOut">
               <a:rPr kumimoji="1" lang="ja-JP" altLang="en-US" smtClean="0"/>
-              <a:t>2024/9/14</a:t>
+              <a:t>2024/9/15</a:t>
             </a:fld>
             <a:endParaRPr kumimoji="1" lang="ja-JP" altLang="en-US"/>
           </a:p>
@@ -541,7 +541,7 @@
           <a:p>
             <a:fld id="{456A58FF-A8BC-4FB3-8711-CD70579C4C2B}" type="datetimeFigureOut">
               <a:rPr kumimoji="1" lang="ja-JP" altLang="en-US" smtClean="0"/>
-              <a:t>2024/9/14</a:t>
+              <a:t>2024/9/15</a:t>
             </a:fld>
             <a:endParaRPr kumimoji="1" lang="ja-JP" altLang="en-US"/>
           </a:p>
@@ -781,7 +781,7 @@
           <a:p>
             <a:fld id="{456A58FF-A8BC-4FB3-8711-CD70579C4C2B}" type="datetimeFigureOut">
               <a:rPr kumimoji="1" lang="ja-JP" altLang="en-US" smtClean="0"/>
-              <a:t>2024/9/14</a:t>
+              <a:t>2024/9/15</a:t>
             </a:fld>
             <a:endParaRPr kumimoji="1" lang="ja-JP" altLang="en-US"/>
           </a:p>
@@ -1011,7 +1011,7 @@
           <a:p>
             <a:fld id="{456A58FF-A8BC-4FB3-8711-CD70579C4C2B}" type="datetimeFigureOut">
               <a:rPr kumimoji="1" lang="ja-JP" altLang="en-US" smtClean="0"/>
-              <a:t>2024/9/14</a:t>
+              <a:t>2024/9/15</a:t>
             </a:fld>
             <a:endParaRPr kumimoji="1" lang="ja-JP" altLang="en-US"/>
           </a:p>
@@ -1286,7 +1286,7 @@
           <a:p>
             <a:fld id="{456A58FF-A8BC-4FB3-8711-CD70579C4C2B}" type="datetimeFigureOut">
               <a:rPr kumimoji="1" lang="ja-JP" altLang="en-US" smtClean="0"/>
-              <a:t>2024/9/14</a:t>
+              <a:t>2024/9/15</a:t>
             </a:fld>
             <a:endParaRPr kumimoji="1" lang="ja-JP" altLang="en-US"/>
           </a:p>
@@ -1615,7 +1615,7 @@
           <a:p>
             <a:fld id="{456A58FF-A8BC-4FB3-8711-CD70579C4C2B}" type="datetimeFigureOut">
               <a:rPr kumimoji="1" lang="ja-JP" altLang="en-US" smtClean="0"/>
-              <a:t>2024/9/14</a:t>
+              <a:t>2024/9/15</a:t>
             </a:fld>
             <a:endParaRPr kumimoji="1" lang="ja-JP" altLang="en-US"/>
           </a:p>
@@ -2091,7 +2091,7 @@
           <a:p>
             <a:fld id="{456A58FF-A8BC-4FB3-8711-CD70579C4C2B}" type="datetimeFigureOut">
               <a:rPr kumimoji="1" lang="ja-JP" altLang="en-US" smtClean="0"/>
-              <a:t>2024/9/14</a:t>
+              <a:t>2024/9/15</a:t>
             </a:fld>
             <a:endParaRPr kumimoji="1" lang="ja-JP" altLang="en-US"/>
           </a:p>
@@ -2232,7 +2232,7 @@
           <a:p>
             <a:fld id="{456A58FF-A8BC-4FB3-8711-CD70579C4C2B}" type="datetimeFigureOut">
               <a:rPr kumimoji="1" lang="ja-JP" altLang="en-US" smtClean="0"/>
-              <a:t>2024/9/14</a:t>
+              <a:t>2024/9/15</a:t>
             </a:fld>
             <a:endParaRPr kumimoji="1" lang="ja-JP" altLang="en-US"/>
           </a:p>
@@ -2345,7 +2345,7 @@
           <a:p>
             <a:fld id="{456A58FF-A8BC-4FB3-8711-CD70579C4C2B}" type="datetimeFigureOut">
               <a:rPr kumimoji="1" lang="ja-JP" altLang="en-US" smtClean="0"/>
-              <a:t>2024/9/14</a:t>
+              <a:t>2024/9/15</a:t>
             </a:fld>
             <a:endParaRPr kumimoji="1" lang="ja-JP" altLang="en-US"/>
           </a:p>
@@ -2688,7 +2688,7 @@
           <a:p>
             <a:fld id="{456A58FF-A8BC-4FB3-8711-CD70579C4C2B}" type="datetimeFigureOut">
               <a:rPr kumimoji="1" lang="ja-JP" altLang="en-US" smtClean="0"/>
-              <a:t>2024/9/14</a:t>
+              <a:t>2024/9/15</a:t>
             </a:fld>
             <a:endParaRPr kumimoji="1" lang="ja-JP" altLang="en-US"/>
           </a:p>
@@ -2976,7 +2976,7 @@
           <a:p>
             <a:fld id="{456A58FF-A8BC-4FB3-8711-CD70579C4C2B}" type="datetimeFigureOut">
               <a:rPr kumimoji="1" lang="ja-JP" altLang="en-US" smtClean="0"/>
-              <a:t>2024/9/14</a:t>
+              <a:t>2024/9/15</a:t>
             </a:fld>
             <a:endParaRPr kumimoji="1" lang="ja-JP" altLang="en-US"/>
           </a:p>
@@ -3249,7 +3249,7 @@
           <a:p>
             <a:fld id="{456A58FF-A8BC-4FB3-8711-CD70579C4C2B}" type="datetimeFigureOut">
               <a:rPr kumimoji="1" lang="ja-JP" altLang="en-US" smtClean="0"/>
-              <a:t>2024/9/14</a:t>
+              <a:t>2024/9/15</a:t>
             </a:fld>
             <a:endParaRPr kumimoji="1" lang="ja-JP" altLang="en-US"/>
           </a:p>
@@ -3687,10 +3687,7 @@
             <a:avLst/>
           </a:prstGeom>
           <a:solidFill>
-            <a:schemeClr val="accent6">
-              <a:lumMod val="40000"/>
-              <a:lumOff val="60000"/>
-            </a:schemeClr>
+            <a:srgbClr val="B4E5A2"/>
           </a:solidFill>
           <a:ln>
             <a:noFill/>
